--- a/1. Slides/8. Data analysis.pptx
+++ b/1. Slides/8. Data analysis.pptx
@@ -6,7 +6,7 @@
     <p:sldMasterId id="2147483671" r:id="rId2"/>
   </p:sldMasterIdLst>
   <p:notesMasterIdLst>
-    <p:notesMasterId r:id="rId14"/>
+    <p:notesMasterId r:id="rId13"/>
   </p:notesMasterIdLst>
   <p:sldIdLst>
     <p:sldId id="256" r:id="rId3"/>
@@ -16,31 +16,30 @@
     <p:sldId id="261" r:id="rId7"/>
     <p:sldId id="262" r:id="rId8"/>
     <p:sldId id="263" r:id="rId9"/>
-    <p:sldId id="264" r:id="rId10"/>
-    <p:sldId id="265" r:id="rId11"/>
-    <p:sldId id="266" r:id="rId12"/>
-    <p:sldId id="267" r:id="rId13"/>
+    <p:sldId id="265" r:id="rId10"/>
+    <p:sldId id="266" r:id="rId11"/>
+    <p:sldId id="267" r:id="rId12"/>
   </p:sldIdLst>
   <p:sldSz cx="9144000" cy="5143500" type="screen16x9"/>
   <p:notesSz cx="6858000" cy="9144000"/>
   <p:embeddedFontLst>
     <p:embeddedFont>
       <p:font typeface="Alfa Slab One" panose="020B0604020202020204" charset="0"/>
-      <p:regular r:id="rId15"/>
+      <p:regular r:id="rId14"/>
     </p:embeddedFont>
     <p:embeddedFont>
       <p:font typeface="Calibri" panose="020F0502020204030204" pitchFamily="34" charset="0"/>
-      <p:regular r:id="rId16"/>
-      <p:bold r:id="rId17"/>
-      <p:italic r:id="rId18"/>
-      <p:boldItalic r:id="rId19"/>
+      <p:regular r:id="rId15"/>
+      <p:bold r:id="rId16"/>
+      <p:italic r:id="rId17"/>
+      <p:boldItalic r:id="rId18"/>
     </p:embeddedFont>
     <p:embeddedFont>
       <p:font typeface="Proxima Nova" panose="020B0604020202020204" charset="0"/>
-      <p:regular r:id="rId20"/>
-      <p:bold r:id="rId21"/>
-      <p:italic r:id="rId22"/>
-      <p:boldItalic r:id="rId23"/>
+      <p:regular r:id="rId19"/>
+      <p:bold r:id="rId20"/>
+      <p:italic r:id="rId21"/>
+      <p:boldItalic r:id="rId22"/>
     </p:embeddedFont>
   </p:embeddedFontLst>
   <p:defaultTextStyle>
@@ -830,110 +829,6 @@
   <p:cSld>
     <p:spTree>
       <p:nvGrpSpPr>
-        <p:cNvPr id="1" name="Shape 168"/>
-        <p:cNvGrpSpPr/>
-        <p:nvPr/>
-      </p:nvGrpSpPr>
-      <p:grpSpPr>
-        <a:xfrm>
-          <a:off x="0" y="0"/>
-          <a:ext cx="0" cy="0"/>
-          <a:chOff x="0" y="0"/>
-          <a:chExt cx="0" cy="0"/>
-        </a:xfrm>
-      </p:grpSpPr>
-      <p:sp>
-        <p:nvSpPr>
-          <p:cNvPr id="169" name="Google Shape;169;g4dc863306a_2_30:notes"/>
-          <p:cNvSpPr>
-            <a:spLocks noGrp="1" noRot="1" noChangeAspect="1"/>
-          </p:cNvSpPr>
-          <p:nvPr>
-            <p:ph type="sldImg" idx="2"/>
-          </p:nvPr>
-        </p:nvSpPr>
-        <p:spPr>
-          <a:xfrm>
-            <a:off x="381000" y="685800"/>
-            <a:ext cx="6096000" cy="3429000"/>
-          </a:xfrm>
-          <a:custGeom>
-            <a:avLst/>
-            <a:gdLst/>
-            <a:ahLst/>
-            <a:cxnLst/>
-            <a:rect l="l" t="t" r="r" b="b"/>
-            <a:pathLst>
-              <a:path w="120000" h="120000" extrusionOk="0">
-                <a:moveTo>
-                  <a:pt x="0" y="0"/>
-                </a:moveTo>
-                <a:lnTo>
-                  <a:pt x="120000" y="0"/>
-                </a:lnTo>
-                <a:lnTo>
-                  <a:pt x="120000" y="120000"/>
-                </a:lnTo>
-                <a:lnTo>
-                  <a:pt x="0" y="120000"/>
-                </a:lnTo>
-                <a:close/>
-              </a:path>
-            </a:pathLst>
-          </a:custGeom>
-        </p:spPr>
-      </p:sp>
-      <p:sp>
-        <p:nvSpPr>
-          <p:cNvPr id="170" name="Google Shape;170;g4dc863306a_2_30:notes"/>
-          <p:cNvSpPr txBox="1">
-            <a:spLocks noGrp="1"/>
-          </p:cNvSpPr>
-          <p:nvPr>
-            <p:ph type="body" idx="1"/>
-          </p:nvPr>
-        </p:nvSpPr>
-        <p:spPr>
-          <a:xfrm>
-            <a:off x="685800" y="4343400"/>
-            <a:ext cx="5486400" cy="4114800"/>
-          </a:xfrm>
-          <a:prstGeom prst="rect">
-            <a:avLst/>
-          </a:prstGeom>
-        </p:spPr>
-        <p:txBody>
-          <a:bodyPr spcFirstLastPara="1" wrap="square" lIns="91425" tIns="91425" rIns="91425" bIns="91425" anchor="t" anchorCtr="0">
-            <a:noAutofit/>
-          </a:bodyPr>
-          <a:lstStyle/>
-          <a:p>
-            <a:pPr marL="0" lvl="0" indent="0" algn="l" rtl="0">
-              <a:spcBef>
-                <a:spcPts val="0"/>
-              </a:spcBef>
-              <a:spcAft>
-                <a:spcPts val="0"/>
-              </a:spcAft>
-              <a:buNone/>
-            </a:pPr>
-            <a:endParaRPr/>
-          </a:p>
-        </p:txBody>
-      </p:sp>
-    </p:spTree>
-  </p:cSld>
-  <p:clrMapOvr>
-    <a:masterClrMapping/>
-  </p:clrMapOvr>
-</p:notes>
-</file>
-
-<file path=ppt/notesSlides/notesSlide11.xml><?xml version="1.0" encoding="utf-8"?>
-<p:notes xmlns:a="http://schemas.openxmlformats.org/drawingml/2006/main" xmlns:r="http://schemas.openxmlformats.org/officeDocument/2006/relationships" xmlns:p="http://schemas.openxmlformats.org/presentationml/2006/main" showMasterSp="0" showMasterPhAnim="0">
-  <p:cSld>
-    <p:spTree>
-      <p:nvGrpSpPr>
         <p:cNvPr id="1" name="Shape 174"/>
         <p:cNvGrpSpPr/>
         <p:nvPr/>
@@ -1683,110 +1578,6 @@
   <p:cSld>
     <p:spTree>
       <p:nvGrpSpPr>
-        <p:cNvPr id="1" name="Shape 156"/>
-        <p:cNvGrpSpPr/>
-        <p:nvPr/>
-      </p:nvGrpSpPr>
-      <p:grpSpPr>
-        <a:xfrm>
-          <a:off x="0" y="0"/>
-          <a:ext cx="0" cy="0"/>
-          <a:chOff x="0" y="0"/>
-          <a:chExt cx="0" cy="0"/>
-        </a:xfrm>
-      </p:grpSpPr>
-      <p:sp>
-        <p:nvSpPr>
-          <p:cNvPr id="157" name="Google Shape;157;g4dc863306a_0_10:notes"/>
-          <p:cNvSpPr>
-            <a:spLocks noGrp="1" noRot="1" noChangeAspect="1"/>
-          </p:cNvSpPr>
-          <p:nvPr>
-            <p:ph type="sldImg" idx="2"/>
-          </p:nvPr>
-        </p:nvSpPr>
-        <p:spPr>
-          <a:xfrm>
-            <a:off x="381000" y="685800"/>
-            <a:ext cx="6096000" cy="3429000"/>
-          </a:xfrm>
-          <a:custGeom>
-            <a:avLst/>
-            <a:gdLst/>
-            <a:ahLst/>
-            <a:cxnLst/>
-            <a:rect l="l" t="t" r="r" b="b"/>
-            <a:pathLst>
-              <a:path w="120000" h="120000" extrusionOk="0">
-                <a:moveTo>
-                  <a:pt x="0" y="0"/>
-                </a:moveTo>
-                <a:lnTo>
-                  <a:pt x="120000" y="0"/>
-                </a:lnTo>
-                <a:lnTo>
-                  <a:pt x="120000" y="120000"/>
-                </a:lnTo>
-                <a:lnTo>
-                  <a:pt x="0" y="120000"/>
-                </a:lnTo>
-                <a:close/>
-              </a:path>
-            </a:pathLst>
-          </a:custGeom>
-        </p:spPr>
-      </p:sp>
-      <p:sp>
-        <p:nvSpPr>
-          <p:cNvPr id="158" name="Google Shape;158;g4dc863306a_0_10:notes"/>
-          <p:cNvSpPr txBox="1">
-            <a:spLocks noGrp="1"/>
-          </p:cNvSpPr>
-          <p:nvPr>
-            <p:ph type="body" idx="1"/>
-          </p:nvPr>
-        </p:nvSpPr>
-        <p:spPr>
-          <a:xfrm>
-            <a:off x="685800" y="4343400"/>
-            <a:ext cx="5486400" cy="4114800"/>
-          </a:xfrm>
-          <a:prstGeom prst="rect">
-            <a:avLst/>
-          </a:prstGeom>
-        </p:spPr>
-        <p:txBody>
-          <a:bodyPr spcFirstLastPara="1" wrap="square" lIns="91425" tIns="91425" rIns="91425" bIns="91425" anchor="t" anchorCtr="0">
-            <a:noAutofit/>
-          </a:bodyPr>
-          <a:lstStyle/>
-          <a:p>
-            <a:pPr marL="0" lvl="0" indent="0" algn="l" rtl="0">
-              <a:spcBef>
-                <a:spcPts val="0"/>
-              </a:spcBef>
-              <a:spcAft>
-                <a:spcPts val="0"/>
-              </a:spcAft>
-              <a:buNone/>
-            </a:pPr>
-            <a:endParaRPr/>
-          </a:p>
-        </p:txBody>
-      </p:sp>
-    </p:spTree>
-  </p:cSld>
-  <p:clrMapOvr>
-    <a:masterClrMapping/>
-  </p:clrMapOvr>
-</p:notes>
-</file>
-
-<file path=ppt/notesSlides/notesSlide9.xml><?xml version="1.0" encoding="utf-8"?>
-<p:notes xmlns:a="http://schemas.openxmlformats.org/drawingml/2006/main" xmlns:r="http://schemas.openxmlformats.org/officeDocument/2006/relationships" xmlns:p="http://schemas.openxmlformats.org/presentationml/2006/main" showMasterSp="0" showMasterPhAnim="0">
-  <p:cSld>
-    <p:spTree>
-      <p:nvGrpSpPr>
         <p:cNvPr id="1" name="Shape 162"/>
         <p:cNvGrpSpPr/>
         <p:nvPr/>
@@ -1843,6 +1634,110 @@
       <p:sp>
         <p:nvSpPr>
           <p:cNvPr id="164" name="Google Shape;164;g4dc863306a_2_25:notes"/>
+          <p:cNvSpPr txBox="1">
+            <a:spLocks noGrp="1"/>
+          </p:cNvSpPr>
+          <p:nvPr>
+            <p:ph type="body" idx="1"/>
+          </p:nvPr>
+        </p:nvSpPr>
+        <p:spPr>
+          <a:xfrm>
+            <a:off x="685800" y="4343400"/>
+            <a:ext cx="5486400" cy="4114800"/>
+          </a:xfrm>
+          <a:prstGeom prst="rect">
+            <a:avLst/>
+          </a:prstGeom>
+        </p:spPr>
+        <p:txBody>
+          <a:bodyPr spcFirstLastPara="1" wrap="square" lIns="91425" tIns="91425" rIns="91425" bIns="91425" anchor="t" anchorCtr="0">
+            <a:noAutofit/>
+          </a:bodyPr>
+          <a:lstStyle/>
+          <a:p>
+            <a:pPr marL="0" lvl="0" indent="0" algn="l" rtl="0">
+              <a:spcBef>
+                <a:spcPts val="0"/>
+              </a:spcBef>
+              <a:spcAft>
+                <a:spcPts val="0"/>
+              </a:spcAft>
+              <a:buNone/>
+            </a:pPr>
+            <a:endParaRPr/>
+          </a:p>
+        </p:txBody>
+      </p:sp>
+    </p:spTree>
+  </p:cSld>
+  <p:clrMapOvr>
+    <a:masterClrMapping/>
+  </p:clrMapOvr>
+</p:notes>
+</file>
+
+<file path=ppt/notesSlides/notesSlide9.xml><?xml version="1.0" encoding="utf-8"?>
+<p:notes xmlns:a="http://schemas.openxmlformats.org/drawingml/2006/main" xmlns:r="http://schemas.openxmlformats.org/officeDocument/2006/relationships" xmlns:p="http://schemas.openxmlformats.org/presentationml/2006/main" showMasterSp="0" showMasterPhAnim="0">
+  <p:cSld>
+    <p:spTree>
+      <p:nvGrpSpPr>
+        <p:cNvPr id="1" name="Shape 168"/>
+        <p:cNvGrpSpPr/>
+        <p:nvPr/>
+      </p:nvGrpSpPr>
+      <p:grpSpPr>
+        <a:xfrm>
+          <a:off x="0" y="0"/>
+          <a:ext cx="0" cy="0"/>
+          <a:chOff x="0" y="0"/>
+          <a:chExt cx="0" cy="0"/>
+        </a:xfrm>
+      </p:grpSpPr>
+      <p:sp>
+        <p:nvSpPr>
+          <p:cNvPr id="169" name="Google Shape;169;g4dc863306a_2_30:notes"/>
+          <p:cNvSpPr>
+            <a:spLocks noGrp="1" noRot="1" noChangeAspect="1"/>
+          </p:cNvSpPr>
+          <p:nvPr>
+            <p:ph type="sldImg" idx="2"/>
+          </p:nvPr>
+        </p:nvSpPr>
+        <p:spPr>
+          <a:xfrm>
+            <a:off x="381000" y="685800"/>
+            <a:ext cx="6096000" cy="3429000"/>
+          </a:xfrm>
+          <a:custGeom>
+            <a:avLst/>
+            <a:gdLst/>
+            <a:ahLst/>
+            <a:cxnLst/>
+            <a:rect l="l" t="t" r="r" b="b"/>
+            <a:pathLst>
+              <a:path w="120000" h="120000" extrusionOk="0">
+                <a:moveTo>
+                  <a:pt x="0" y="0"/>
+                </a:moveTo>
+                <a:lnTo>
+                  <a:pt x="120000" y="0"/>
+                </a:lnTo>
+                <a:lnTo>
+                  <a:pt x="120000" y="120000"/>
+                </a:lnTo>
+                <a:lnTo>
+                  <a:pt x="0" y="120000"/>
+                </a:lnTo>
+                <a:close/>
+              </a:path>
+            </a:pathLst>
+          </a:custGeom>
+        </p:spPr>
+      </p:sp>
+      <p:sp>
+        <p:nvSpPr>
+          <p:cNvPr id="170" name="Google Shape;170;g4dc863306a_2_30:notes"/>
           <p:cNvSpPr txBox="1">
             <a:spLocks noGrp="1"/>
           </p:cNvSpPr>
@@ -11488,7 +11383,7 @@
         <p:fade thruBlk="1"/>
       </p:transition>
     </mc:Choice>
-    <mc:Fallback xmlns:p15="http://schemas.microsoft.com/office/powerpoint/2012/main" xmlns:com="http://schemas.openxmlformats.org/drawingml/2006/compatibility" xmlns:pvml="urn:schemas-microsoft-com:office:powerpoint" xmlns:v="urn:schemas-microsoft-com:vml" xmlns:o="urn:schemas-microsoft-com:office:office" xmlns:dgm="http://schemas.openxmlformats.org/drawingml/2006/diagram" xmlns:c="http://schemas.openxmlformats.org/drawingml/2006/chart" xmlns:mv="urn:schemas-microsoft-com:mac:vml" xmlns="">
+    <mc:Fallback xmlns="" xmlns:mv="urn:schemas-microsoft-com:mac:vml" xmlns:c="http://schemas.openxmlformats.org/drawingml/2006/chart" xmlns:dgm="http://schemas.openxmlformats.org/drawingml/2006/diagram" xmlns:o="urn:schemas-microsoft-com:office:office" xmlns:v="urn:schemas-microsoft-com:vml" xmlns:pvml="urn:schemas-microsoft-com:office:powerpoint" xmlns:com="http://schemas.openxmlformats.org/drawingml/2006/compatibility" xmlns:p15="http://schemas.microsoft.com/office/powerpoint/2012/main">
       <p:transition spd="slow">
         <p:fade/>
       </p:transition>
@@ -12292,395 +12187,6 @@
   <p:cSld>
     <p:spTree>
       <p:nvGrpSpPr>
-        <p:cNvPr id="1" name="Shape 171"/>
-        <p:cNvGrpSpPr/>
-        <p:nvPr/>
-      </p:nvGrpSpPr>
-      <p:grpSpPr>
-        <a:xfrm>
-          <a:off x="0" y="0"/>
-          <a:ext cx="0" cy="0"/>
-          <a:chOff x="0" y="0"/>
-          <a:chExt cx="0" cy="0"/>
-        </a:xfrm>
-      </p:grpSpPr>
-      <p:sp>
-        <p:nvSpPr>
-          <p:cNvPr id="172" name="Google Shape;172;p35"/>
-          <p:cNvSpPr txBox="1">
-            <a:spLocks noGrp="1"/>
-          </p:cNvSpPr>
-          <p:nvPr>
-            <p:ph type="title"/>
-          </p:nvPr>
-        </p:nvSpPr>
-        <p:spPr>
-          <a:xfrm>
-            <a:off x="311700" y="445025"/>
-            <a:ext cx="8520600" cy="572700"/>
-          </a:xfrm>
-          <a:prstGeom prst="rect">
-            <a:avLst/>
-          </a:prstGeom>
-        </p:spPr>
-        <p:txBody>
-          <a:bodyPr spcFirstLastPara="1" wrap="square" lIns="91425" tIns="91425" rIns="91425" bIns="91425" anchor="t" anchorCtr="0">
-            <a:noAutofit/>
-          </a:bodyPr>
-          <a:lstStyle/>
-          <a:p>
-            <a:pPr marL="0" lvl="0" indent="0" algn="l" rtl="0">
-              <a:spcBef>
-                <a:spcPts val="0"/>
-              </a:spcBef>
-              <a:spcAft>
-                <a:spcPts val="0"/>
-              </a:spcAft>
-              <a:buNone/>
-            </a:pPr>
-            <a:r>
-              <a:rPr lang="en-GB" dirty="0"/>
-              <a:t>Setup</a:t>
-            </a:r>
-            <a:endParaRPr dirty="0"/>
-          </a:p>
-        </p:txBody>
-      </p:sp>
-      <p:sp>
-        <p:nvSpPr>
-          <p:cNvPr id="173" name="Google Shape;173;p35"/>
-          <p:cNvSpPr txBox="1">
-            <a:spLocks noGrp="1"/>
-          </p:cNvSpPr>
-          <p:nvPr>
-            <p:ph type="body" idx="1"/>
-          </p:nvPr>
-        </p:nvSpPr>
-        <p:spPr>
-          <a:xfrm>
-            <a:off x="311700" y="1152475"/>
-            <a:ext cx="8520600" cy="3416400"/>
-          </a:xfrm>
-          <a:prstGeom prst="rect">
-            <a:avLst/>
-          </a:prstGeom>
-        </p:spPr>
-        <p:txBody>
-          <a:bodyPr spcFirstLastPara="1" wrap="square" lIns="91425" tIns="91425" rIns="91425" bIns="91425" anchor="t" anchorCtr="0">
-            <a:noAutofit/>
-          </a:bodyPr>
-          <a:lstStyle/>
-          <a:p>
-            <a:pPr marL="0" lvl="0" indent="0" algn="l" rtl="0">
-              <a:spcBef>
-                <a:spcPts val="0"/>
-              </a:spcBef>
-              <a:spcAft>
-                <a:spcPts val="0"/>
-              </a:spcAft>
-              <a:buNone/>
-            </a:pPr>
-            <a:r>
-              <a:rPr lang="en" dirty="0"/>
-              <a:t>To install the required packages we can use the tool:</a:t>
-            </a:r>
-            <a:endParaRPr dirty="0"/>
-          </a:p>
-          <a:p>
-            <a:pPr marL="0" lvl="0" indent="0" algn="l" rtl="0">
-              <a:spcBef>
-                <a:spcPts val="1600"/>
-              </a:spcBef>
-              <a:spcAft>
-                <a:spcPts val="0"/>
-              </a:spcAft>
-              <a:buNone/>
-            </a:pPr>
-            <a:endParaRPr dirty="0"/>
-          </a:p>
-          <a:p>
-            <a:pPr marL="0" lvl="0" indent="0" algn="ctr" rtl="0">
-              <a:lnSpc>
-                <a:spcPct val="100000"/>
-              </a:lnSpc>
-              <a:spcBef>
-                <a:spcPts val="1600"/>
-              </a:spcBef>
-              <a:spcAft>
-                <a:spcPts val="0"/>
-              </a:spcAft>
-              <a:buNone/>
-            </a:pPr>
-            <a:r>
-              <a:rPr lang="en" sz="3000" dirty="0">
-                <a:solidFill>
-                  <a:srgbClr val="6AA84F"/>
-                </a:solidFill>
-              </a:rPr>
-              <a:t>Anaconda Navigator</a:t>
-            </a:r>
-            <a:endParaRPr sz="3000" dirty="0">
-              <a:solidFill>
-                <a:srgbClr val="6AA84F"/>
-              </a:solidFill>
-            </a:endParaRPr>
-          </a:p>
-          <a:p>
-            <a:pPr marL="0" lvl="0" indent="0" algn="ctr" rtl="0">
-              <a:lnSpc>
-                <a:spcPct val="100000"/>
-              </a:lnSpc>
-              <a:spcBef>
-                <a:spcPts val="1600"/>
-              </a:spcBef>
-              <a:spcAft>
-                <a:spcPts val="1600"/>
-              </a:spcAft>
-              <a:buNone/>
-            </a:pPr>
-            <a:r>
-              <a:rPr lang="en" sz="1400" u="sng" dirty="0">
-                <a:solidFill>
-                  <a:schemeClr val="hlink"/>
-                </a:solidFill>
-                <a:hlinkClick r:id="rId3"/>
-              </a:rPr>
-              <a:t>link</a:t>
-            </a:r>
-            <a:endParaRPr sz="1400" dirty="0">
-              <a:solidFill>
-                <a:srgbClr val="666666"/>
-              </a:solidFill>
-            </a:endParaRPr>
-          </a:p>
-        </p:txBody>
-      </p:sp>
-    </p:spTree>
-  </p:cSld>
-  <p:clrMapOvr>
-    <a:masterClrMapping/>
-  </p:clrMapOvr>
-  <p:timing>
-    <p:tnLst>
-      <p:par>
-        <p:cTn id="1" dur="indefinite" restart="never" nodeType="tmRoot">
-          <p:childTnLst>
-            <p:seq concurrent="1" nextAc="seek">
-              <p:cTn id="2" dur="indefinite" nodeType="mainSeq">
-                <p:childTnLst>
-                  <p:par>
-                    <p:cTn id="3" fill="hold">
-                      <p:stCondLst>
-                        <p:cond delay="indefinite"/>
-                      </p:stCondLst>
-                      <p:childTnLst>
-                        <p:par>
-                          <p:cTn id="4" fill="hold">
-                            <p:stCondLst>
-                              <p:cond delay="0"/>
-                            </p:stCondLst>
-                            <p:childTnLst>
-                              <p:par>
-                                <p:cTn id="5" presetID="10" presetClass="entr" presetSubtype="0" fill="hold" nodeType="clickEffect">
-                                  <p:stCondLst>
-                                    <p:cond delay="0"/>
-                                  </p:stCondLst>
-                                  <p:childTnLst>
-                                    <p:set>
-                                      <p:cBhvr>
-                                        <p:cTn id="6" dur="1" fill="hold">
-                                          <p:stCondLst>
-                                            <p:cond delay="0"/>
-                                          </p:stCondLst>
-                                        </p:cTn>
-                                        <p:tgtEl>
-                                          <p:spTgt spid="173">
-                                            <p:txEl>
-                                              <p:pRg st="0" end="0"/>
-                                            </p:txEl>
-                                          </p:spTgt>
-                                        </p:tgtEl>
-                                        <p:attrNameLst>
-                                          <p:attrName>style.visibility</p:attrName>
-                                        </p:attrNameLst>
-                                      </p:cBhvr>
-                                      <p:to>
-                                        <p:strVal val="visible"/>
-                                      </p:to>
-                                    </p:set>
-                                    <p:animEffect transition="in" filter="fade">
-                                      <p:cBhvr>
-                                        <p:cTn id="7" dur="1000"/>
-                                        <p:tgtEl>
-                                          <p:spTgt spid="173">
-                                            <p:txEl>
-                                              <p:pRg st="0" end="0"/>
-                                            </p:txEl>
-                                          </p:spTgt>
-                                        </p:tgtEl>
-                                      </p:cBhvr>
-                                    </p:animEffect>
-                                  </p:childTnLst>
-                                </p:cTn>
-                              </p:par>
-                            </p:childTnLst>
-                          </p:cTn>
-                        </p:par>
-                      </p:childTnLst>
-                    </p:cTn>
-                  </p:par>
-                  <p:par>
-                    <p:cTn id="8" fill="hold">
-                      <p:stCondLst>
-                        <p:cond delay="indefinite"/>
-                      </p:stCondLst>
-                      <p:childTnLst>
-                        <p:par>
-                          <p:cTn id="9" fill="hold">
-                            <p:stCondLst>
-                              <p:cond delay="0"/>
-                            </p:stCondLst>
-                            <p:childTnLst>
-                              <p:par>
-                                <p:cTn id="10" presetID="10" presetClass="entr" presetSubtype="0" fill="hold" nodeType="clickEffect">
-                                  <p:stCondLst>
-                                    <p:cond delay="0"/>
-                                  </p:stCondLst>
-                                  <p:childTnLst>
-                                    <p:set>
-                                      <p:cBhvr>
-                                        <p:cTn id="11" dur="1" fill="hold">
-                                          <p:stCondLst>
-                                            <p:cond delay="0"/>
-                                          </p:stCondLst>
-                                        </p:cTn>
-                                        <p:tgtEl>
-                                          <p:spTgt spid="173">
-                                            <p:txEl>
-                                              <p:pRg st="2" end="2"/>
-                                            </p:txEl>
-                                          </p:spTgt>
-                                        </p:tgtEl>
-                                        <p:attrNameLst>
-                                          <p:attrName>style.visibility</p:attrName>
-                                        </p:attrNameLst>
-                                      </p:cBhvr>
-                                      <p:to>
-                                        <p:strVal val="visible"/>
-                                      </p:to>
-                                    </p:set>
-                                    <p:animEffect transition="in" filter="fade">
-                                      <p:cBhvr>
-                                        <p:cTn id="12" dur="1000"/>
-                                        <p:tgtEl>
-                                          <p:spTgt spid="173">
-                                            <p:txEl>
-                                              <p:pRg st="2" end="2"/>
-                                            </p:txEl>
-                                          </p:spTgt>
-                                        </p:tgtEl>
-                                      </p:cBhvr>
-                                    </p:animEffect>
-                                  </p:childTnLst>
-                                </p:cTn>
-                              </p:par>
-                            </p:childTnLst>
-                          </p:cTn>
-                        </p:par>
-                      </p:childTnLst>
-                    </p:cTn>
-                  </p:par>
-                  <p:par>
-                    <p:cTn id="13" fill="hold">
-                      <p:stCondLst>
-                        <p:cond delay="indefinite"/>
-                      </p:stCondLst>
-                      <p:childTnLst>
-                        <p:par>
-                          <p:cTn id="14" fill="hold">
-                            <p:stCondLst>
-                              <p:cond delay="0"/>
-                            </p:stCondLst>
-                            <p:childTnLst>
-                              <p:par>
-                                <p:cTn id="15" presetID="10" presetClass="entr" presetSubtype="0" fill="hold" nodeType="clickEffect">
-                                  <p:stCondLst>
-                                    <p:cond delay="0"/>
-                                  </p:stCondLst>
-                                  <p:childTnLst>
-                                    <p:set>
-                                      <p:cBhvr>
-                                        <p:cTn id="16" dur="1" fill="hold">
-                                          <p:stCondLst>
-                                            <p:cond delay="0"/>
-                                          </p:stCondLst>
-                                        </p:cTn>
-                                        <p:tgtEl>
-                                          <p:spTgt spid="173">
-                                            <p:txEl>
-                                              <p:pRg st="3" end="3"/>
-                                            </p:txEl>
-                                          </p:spTgt>
-                                        </p:tgtEl>
-                                        <p:attrNameLst>
-                                          <p:attrName>style.visibility</p:attrName>
-                                        </p:attrNameLst>
-                                      </p:cBhvr>
-                                      <p:to>
-                                        <p:strVal val="visible"/>
-                                      </p:to>
-                                    </p:set>
-                                    <p:animEffect transition="in" filter="fade">
-                                      <p:cBhvr>
-                                        <p:cTn id="17" dur="1000"/>
-                                        <p:tgtEl>
-                                          <p:spTgt spid="173">
-                                            <p:txEl>
-                                              <p:pRg st="3" end="3"/>
-                                            </p:txEl>
-                                          </p:spTgt>
-                                        </p:tgtEl>
-                                      </p:cBhvr>
-                                    </p:animEffect>
-                                  </p:childTnLst>
-                                </p:cTn>
-                              </p:par>
-                            </p:childTnLst>
-                          </p:cTn>
-                        </p:par>
-                      </p:childTnLst>
-                    </p:cTn>
-                  </p:par>
-                </p:childTnLst>
-              </p:cTn>
-              <p:prevCondLst>
-                <p:cond evt="onPrev" delay="0">
-                  <p:tgtEl>
-                    <p:sldTgt/>
-                  </p:tgtEl>
-                </p:cond>
-              </p:prevCondLst>
-              <p:nextCondLst>
-                <p:cond evt="onNext" delay="0">
-                  <p:tgtEl>
-                    <p:sldTgt/>
-                  </p:tgtEl>
-                </p:cond>
-              </p:nextCondLst>
-            </p:seq>
-          </p:childTnLst>
-        </p:cTn>
-      </p:par>
-    </p:tnLst>
-  </p:timing>
-</p:sld>
-</file>
-
-<file path=ppt/slides/slide11.xml><?xml version="1.0" encoding="utf-8"?>
-<p:sld xmlns:a="http://schemas.openxmlformats.org/drawingml/2006/main" xmlns:r="http://schemas.openxmlformats.org/officeDocument/2006/relationships" xmlns:p="http://schemas.openxmlformats.org/presentationml/2006/main">
-  <p:cSld>
-    <p:spTree>
-      <p:nvGrpSpPr>
         <p:cNvPr id="1" name="Shape 177"/>
         <p:cNvGrpSpPr/>
         <p:nvPr/>
@@ -12867,6 +12373,19 @@
                 </a:solidFill>
               </a:rPr>
               <a:t>matplotlib</a:t>
+            </a:r>
+          </a:p>
+          <a:p>
+            <a:pPr marL="139700" lvl="0" indent="0">
+              <a:lnSpc>
+                <a:spcPct val="200000"/>
+              </a:lnSpc>
+              <a:buSzPts val="1400"/>
+              <a:buNone/>
+            </a:pPr>
+            <a:r>
+              <a:rPr lang="en" dirty="0"/>
+              <a:t>Simply run these commands in terminal</a:t>
             </a:r>
             <a:endParaRPr dirty="0">
               <a:solidFill>
@@ -13134,6 +12653,67 @@
                                           <p:spTgt spid="179">
                                             <p:txEl>
                                               <p:pRg st="3" end="3"/>
+                                            </p:txEl>
+                                          </p:spTgt>
+                                        </p:tgtEl>
+                                      </p:cBhvr>
+                                    </p:animEffect>
+                                  </p:childTnLst>
+                                </p:cTn>
+                              </p:par>
+                            </p:childTnLst>
+                          </p:cTn>
+                        </p:par>
+                      </p:childTnLst>
+                    </p:cTn>
+                  </p:par>
+                  <p:par>
+                    <p:cTn id="23" fill="hold">
+                      <p:stCondLst>
+                        <p:cond delay="indefinite"/>
+                      </p:stCondLst>
+                      <p:childTnLst>
+                        <p:par>
+                          <p:cTn id="24" fill="hold">
+                            <p:stCondLst>
+                              <p:cond delay="0"/>
+                            </p:stCondLst>
+                            <p:childTnLst>
+                              <p:par>
+                                <p:cTn id="25" presetID="10" presetClass="entr" presetSubtype="0" fill="hold" nodeType="clickEffect">
+                                  <p:stCondLst>
+                                    <p:cond delay="0"/>
+                                  </p:stCondLst>
+                                  <p:childTnLst>
+                                    <p:set>
+                                      <p:cBhvr>
+                                        <p:cTn id="26" dur="1" fill="hold">
+                                          <p:stCondLst>
+                                            <p:cond delay="0"/>
+                                          </p:stCondLst>
+                                        </p:cTn>
+                                        <p:tgtEl>
+                                          <p:spTgt spid="179">
+                                            <p:txEl>
+                                              <p:pRg st="4" end="4"/>
+                                            </p:txEl>
+                                          </p:spTgt>
+                                        </p:tgtEl>
+                                        <p:attrNameLst>
+                                          <p:attrName>style.visibility</p:attrName>
+                                        </p:attrNameLst>
+                                      </p:cBhvr>
+                                      <p:to>
+                                        <p:strVal val="visible"/>
+                                      </p:to>
+                                    </p:set>
+                                    <p:animEffect transition="in" filter="fade">
+                                      <p:cBhvr>
+                                        <p:cTn id="27" dur="1000"/>
+                                        <p:tgtEl>
+                                          <p:spTgt spid="179">
+                                            <p:txEl>
+                                              <p:pRg st="4" end="4"/>
                                             </p:txEl>
                                           </p:spTgt>
                                         </p:tgtEl>
@@ -15996,449 +15576,6 @@
   <p:cSld>
     <p:spTree>
       <p:nvGrpSpPr>
-        <p:cNvPr id="1" name="Shape 159"/>
-        <p:cNvGrpSpPr/>
-        <p:nvPr/>
-      </p:nvGrpSpPr>
-      <p:grpSpPr>
-        <a:xfrm>
-          <a:off x="0" y="0"/>
-          <a:ext cx="0" cy="0"/>
-          <a:chOff x="0" y="0"/>
-          <a:chExt cx="0" cy="0"/>
-        </a:xfrm>
-      </p:grpSpPr>
-      <p:sp>
-        <p:nvSpPr>
-          <p:cNvPr id="160" name="Google Shape;160;p33"/>
-          <p:cNvSpPr txBox="1">
-            <a:spLocks noGrp="1"/>
-          </p:cNvSpPr>
-          <p:nvPr>
-            <p:ph type="title"/>
-          </p:nvPr>
-        </p:nvSpPr>
-        <p:spPr>
-          <a:xfrm>
-            <a:off x="311700" y="445025"/>
-            <a:ext cx="8520600" cy="572700"/>
-          </a:xfrm>
-          <a:prstGeom prst="rect">
-            <a:avLst/>
-          </a:prstGeom>
-        </p:spPr>
-        <p:txBody>
-          <a:bodyPr spcFirstLastPara="1" wrap="square" lIns="91425" tIns="91425" rIns="91425" bIns="91425" anchor="t" anchorCtr="0">
-            <a:noAutofit/>
-          </a:bodyPr>
-          <a:lstStyle/>
-          <a:p>
-            <a:pPr marL="0" lvl="0" indent="0" algn="l" rtl="0">
-              <a:spcBef>
-                <a:spcPts val="0"/>
-              </a:spcBef>
-              <a:spcAft>
-                <a:spcPts val="0"/>
-              </a:spcAft>
-              <a:buNone/>
-            </a:pPr>
-            <a:r>
-              <a:rPr lang="en"/>
-              <a:t>Matlab</a:t>
-            </a:r>
-            <a:endParaRPr/>
-          </a:p>
-        </p:txBody>
-      </p:sp>
-      <p:sp>
-        <p:nvSpPr>
-          <p:cNvPr id="161" name="Google Shape;161;p33"/>
-          <p:cNvSpPr txBox="1">
-            <a:spLocks noGrp="1"/>
-          </p:cNvSpPr>
-          <p:nvPr>
-            <p:ph type="body" idx="1"/>
-          </p:nvPr>
-        </p:nvSpPr>
-        <p:spPr>
-          <a:xfrm>
-            <a:off x="311700" y="1152475"/>
-            <a:ext cx="8520600" cy="3416400"/>
-          </a:xfrm>
-          <a:prstGeom prst="rect">
-            <a:avLst/>
-          </a:prstGeom>
-        </p:spPr>
-        <p:txBody>
-          <a:bodyPr spcFirstLastPara="1" wrap="square" lIns="91425" tIns="91425" rIns="91425" bIns="91425" anchor="t" anchorCtr="0">
-            <a:noAutofit/>
-          </a:bodyPr>
-          <a:lstStyle/>
-          <a:p>
-            <a:pPr marL="0" lvl="0" indent="0" algn="l" rtl="0">
-              <a:spcBef>
-                <a:spcPts val="0"/>
-              </a:spcBef>
-              <a:spcAft>
-                <a:spcPts val="0"/>
-              </a:spcAft>
-              <a:buNone/>
-            </a:pPr>
-            <a:r>
-              <a:rPr lang="en"/>
-              <a:t>So basically you can replace matlab using python with these packages:</a:t>
-            </a:r>
-            <a:endParaRPr/>
-          </a:p>
-          <a:p>
-            <a:pPr marL="457200" lvl="0" indent="-342900" algn="l" rtl="0">
-              <a:lnSpc>
-                <a:spcPct val="200000"/>
-              </a:lnSpc>
-              <a:spcBef>
-                <a:spcPts val="1600"/>
-              </a:spcBef>
-              <a:spcAft>
-                <a:spcPts val="0"/>
-              </a:spcAft>
-              <a:buSzPts val="1800"/>
-              <a:buChar char="●"/>
-            </a:pPr>
-            <a:r>
-              <a:rPr lang="en"/>
-              <a:t>Numpy</a:t>
-            </a:r>
-            <a:endParaRPr/>
-          </a:p>
-          <a:p>
-            <a:pPr marL="457200" lvl="0" indent="-342900" algn="l" rtl="0">
-              <a:lnSpc>
-                <a:spcPct val="200000"/>
-              </a:lnSpc>
-              <a:spcBef>
-                <a:spcPts val="0"/>
-              </a:spcBef>
-              <a:spcAft>
-                <a:spcPts val="0"/>
-              </a:spcAft>
-              <a:buSzPts val="1800"/>
-              <a:buChar char="●"/>
-            </a:pPr>
-            <a:r>
-              <a:rPr lang="en"/>
-              <a:t>Pandas</a:t>
-            </a:r>
-            <a:endParaRPr/>
-          </a:p>
-          <a:p>
-            <a:pPr marL="457200" lvl="0" indent="-342900" algn="l" rtl="0">
-              <a:lnSpc>
-                <a:spcPct val="200000"/>
-              </a:lnSpc>
-              <a:spcBef>
-                <a:spcPts val="0"/>
-              </a:spcBef>
-              <a:spcAft>
-                <a:spcPts val="0"/>
-              </a:spcAft>
-              <a:buSzPts val="1800"/>
-              <a:buChar char="●"/>
-            </a:pPr>
-            <a:r>
-              <a:rPr lang="en"/>
-              <a:t>Matplotlib</a:t>
-            </a:r>
-            <a:endParaRPr/>
-          </a:p>
-        </p:txBody>
-      </p:sp>
-    </p:spTree>
-  </p:cSld>
-  <p:clrMapOvr>
-    <a:masterClrMapping/>
-  </p:clrMapOvr>
-  <p:timing>
-    <p:tnLst>
-      <p:par>
-        <p:cTn id="1" dur="indefinite" restart="never" nodeType="tmRoot">
-          <p:childTnLst>
-            <p:seq concurrent="1" nextAc="seek">
-              <p:cTn id="2" dur="indefinite" nodeType="mainSeq">
-                <p:childTnLst>
-                  <p:par>
-                    <p:cTn id="3" fill="hold">
-                      <p:stCondLst>
-                        <p:cond delay="indefinite"/>
-                      </p:stCondLst>
-                      <p:childTnLst>
-                        <p:par>
-                          <p:cTn id="4" fill="hold">
-                            <p:stCondLst>
-                              <p:cond delay="0"/>
-                            </p:stCondLst>
-                            <p:childTnLst>
-                              <p:par>
-                                <p:cTn id="5" presetID="10" presetClass="entr" presetSubtype="0" fill="hold" nodeType="clickEffect">
-                                  <p:stCondLst>
-                                    <p:cond delay="0"/>
-                                  </p:stCondLst>
-                                  <p:childTnLst>
-                                    <p:set>
-                                      <p:cBhvr>
-                                        <p:cTn id="6" dur="1" fill="hold">
-                                          <p:stCondLst>
-                                            <p:cond delay="0"/>
-                                          </p:stCondLst>
-                                        </p:cTn>
-                                        <p:tgtEl>
-                                          <p:spTgt spid="161">
-                                            <p:txEl>
-                                              <p:pRg st="0" end="0"/>
-                                            </p:txEl>
-                                          </p:spTgt>
-                                        </p:tgtEl>
-                                        <p:attrNameLst>
-                                          <p:attrName>style.visibility</p:attrName>
-                                        </p:attrNameLst>
-                                      </p:cBhvr>
-                                      <p:to>
-                                        <p:strVal val="visible"/>
-                                      </p:to>
-                                    </p:set>
-                                    <p:animEffect transition="in" filter="fade">
-                                      <p:cBhvr>
-                                        <p:cTn id="7" dur="1000"/>
-                                        <p:tgtEl>
-                                          <p:spTgt spid="161">
-                                            <p:txEl>
-                                              <p:pRg st="0" end="0"/>
-                                            </p:txEl>
-                                          </p:spTgt>
-                                        </p:tgtEl>
-                                      </p:cBhvr>
-                                    </p:animEffect>
-                                  </p:childTnLst>
-                                </p:cTn>
-                              </p:par>
-                            </p:childTnLst>
-                          </p:cTn>
-                        </p:par>
-                      </p:childTnLst>
-                    </p:cTn>
-                  </p:par>
-                  <p:par>
-                    <p:cTn id="8" fill="hold">
-                      <p:stCondLst>
-                        <p:cond delay="indefinite"/>
-                      </p:stCondLst>
-                      <p:childTnLst>
-                        <p:par>
-                          <p:cTn id="9" fill="hold">
-                            <p:stCondLst>
-                              <p:cond delay="0"/>
-                            </p:stCondLst>
-                            <p:childTnLst>
-                              <p:par>
-                                <p:cTn id="10" presetID="10" presetClass="entr" presetSubtype="0" fill="hold" nodeType="clickEffect">
-                                  <p:stCondLst>
-                                    <p:cond delay="0"/>
-                                  </p:stCondLst>
-                                  <p:childTnLst>
-                                    <p:set>
-                                      <p:cBhvr>
-                                        <p:cTn id="11" dur="1" fill="hold">
-                                          <p:stCondLst>
-                                            <p:cond delay="0"/>
-                                          </p:stCondLst>
-                                        </p:cTn>
-                                        <p:tgtEl>
-                                          <p:spTgt spid="161">
-                                            <p:txEl>
-                                              <p:pRg st="1" end="1"/>
-                                            </p:txEl>
-                                          </p:spTgt>
-                                        </p:tgtEl>
-                                        <p:attrNameLst>
-                                          <p:attrName>style.visibility</p:attrName>
-                                        </p:attrNameLst>
-                                      </p:cBhvr>
-                                      <p:to>
-                                        <p:strVal val="visible"/>
-                                      </p:to>
-                                    </p:set>
-                                    <p:animEffect transition="in" filter="fade">
-                                      <p:cBhvr>
-                                        <p:cTn id="12" dur="1000"/>
-                                        <p:tgtEl>
-                                          <p:spTgt spid="161">
-                                            <p:txEl>
-                                              <p:pRg st="1" end="1"/>
-                                            </p:txEl>
-                                          </p:spTgt>
-                                        </p:tgtEl>
-                                      </p:cBhvr>
-                                    </p:animEffect>
-                                  </p:childTnLst>
-                                </p:cTn>
-                              </p:par>
-                            </p:childTnLst>
-                          </p:cTn>
-                        </p:par>
-                      </p:childTnLst>
-                    </p:cTn>
-                  </p:par>
-                  <p:par>
-                    <p:cTn id="13" fill="hold">
-                      <p:stCondLst>
-                        <p:cond delay="indefinite"/>
-                      </p:stCondLst>
-                      <p:childTnLst>
-                        <p:par>
-                          <p:cTn id="14" fill="hold">
-                            <p:stCondLst>
-                              <p:cond delay="0"/>
-                            </p:stCondLst>
-                            <p:childTnLst>
-                              <p:par>
-                                <p:cTn id="15" presetID="10" presetClass="entr" presetSubtype="0" fill="hold" nodeType="clickEffect">
-                                  <p:stCondLst>
-                                    <p:cond delay="0"/>
-                                  </p:stCondLst>
-                                  <p:childTnLst>
-                                    <p:set>
-                                      <p:cBhvr>
-                                        <p:cTn id="16" dur="1" fill="hold">
-                                          <p:stCondLst>
-                                            <p:cond delay="0"/>
-                                          </p:stCondLst>
-                                        </p:cTn>
-                                        <p:tgtEl>
-                                          <p:spTgt spid="161">
-                                            <p:txEl>
-                                              <p:pRg st="2" end="2"/>
-                                            </p:txEl>
-                                          </p:spTgt>
-                                        </p:tgtEl>
-                                        <p:attrNameLst>
-                                          <p:attrName>style.visibility</p:attrName>
-                                        </p:attrNameLst>
-                                      </p:cBhvr>
-                                      <p:to>
-                                        <p:strVal val="visible"/>
-                                      </p:to>
-                                    </p:set>
-                                    <p:animEffect transition="in" filter="fade">
-                                      <p:cBhvr>
-                                        <p:cTn id="17" dur="1000"/>
-                                        <p:tgtEl>
-                                          <p:spTgt spid="161">
-                                            <p:txEl>
-                                              <p:pRg st="2" end="2"/>
-                                            </p:txEl>
-                                          </p:spTgt>
-                                        </p:tgtEl>
-                                      </p:cBhvr>
-                                    </p:animEffect>
-                                  </p:childTnLst>
-                                </p:cTn>
-                              </p:par>
-                            </p:childTnLst>
-                          </p:cTn>
-                        </p:par>
-                      </p:childTnLst>
-                    </p:cTn>
-                  </p:par>
-                  <p:par>
-                    <p:cTn id="18" fill="hold">
-                      <p:stCondLst>
-                        <p:cond delay="indefinite"/>
-                      </p:stCondLst>
-                      <p:childTnLst>
-                        <p:par>
-                          <p:cTn id="19" fill="hold">
-                            <p:stCondLst>
-                              <p:cond delay="0"/>
-                            </p:stCondLst>
-                            <p:childTnLst>
-                              <p:par>
-                                <p:cTn id="20" presetID="10" presetClass="entr" presetSubtype="0" fill="hold" nodeType="clickEffect">
-                                  <p:stCondLst>
-                                    <p:cond delay="0"/>
-                                  </p:stCondLst>
-                                  <p:childTnLst>
-                                    <p:set>
-                                      <p:cBhvr>
-                                        <p:cTn id="21" dur="1" fill="hold">
-                                          <p:stCondLst>
-                                            <p:cond delay="0"/>
-                                          </p:stCondLst>
-                                        </p:cTn>
-                                        <p:tgtEl>
-                                          <p:spTgt spid="161">
-                                            <p:txEl>
-                                              <p:pRg st="3" end="3"/>
-                                            </p:txEl>
-                                          </p:spTgt>
-                                        </p:tgtEl>
-                                        <p:attrNameLst>
-                                          <p:attrName>style.visibility</p:attrName>
-                                        </p:attrNameLst>
-                                      </p:cBhvr>
-                                      <p:to>
-                                        <p:strVal val="visible"/>
-                                      </p:to>
-                                    </p:set>
-                                    <p:animEffect transition="in" filter="fade">
-                                      <p:cBhvr>
-                                        <p:cTn id="22" dur="1000"/>
-                                        <p:tgtEl>
-                                          <p:spTgt spid="161">
-                                            <p:txEl>
-                                              <p:pRg st="3" end="3"/>
-                                            </p:txEl>
-                                          </p:spTgt>
-                                        </p:tgtEl>
-                                      </p:cBhvr>
-                                    </p:animEffect>
-                                  </p:childTnLst>
-                                </p:cTn>
-                              </p:par>
-                            </p:childTnLst>
-                          </p:cTn>
-                        </p:par>
-                      </p:childTnLst>
-                    </p:cTn>
-                  </p:par>
-                </p:childTnLst>
-              </p:cTn>
-              <p:prevCondLst>
-                <p:cond evt="onPrev" delay="0">
-                  <p:tgtEl>
-                    <p:sldTgt/>
-                  </p:tgtEl>
-                </p:cond>
-              </p:prevCondLst>
-              <p:nextCondLst>
-                <p:cond evt="onNext" delay="0">
-                  <p:tgtEl>
-                    <p:sldTgt/>
-                  </p:tgtEl>
-                </p:cond>
-              </p:nextCondLst>
-            </p:seq>
-          </p:childTnLst>
-        </p:cTn>
-      </p:par>
-    </p:tnLst>
-  </p:timing>
-</p:sld>
-</file>
-
-<file path=ppt/slides/slide9.xml><?xml version="1.0" encoding="utf-8"?>
-<p:sld xmlns:a="http://schemas.openxmlformats.org/drawingml/2006/main" xmlns:r="http://schemas.openxmlformats.org/officeDocument/2006/relationships" xmlns:p="http://schemas.openxmlformats.org/presentationml/2006/main">
-  <p:cSld>
-    <p:spTree>
-      <p:nvGrpSpPr>
         <p:cNvPr id="1" name="Shape 165"/>
         <p:cNvGrpSpPr/>
         <p:nvPr/>
@@ -16532,10 +15669,10 @@
               <a:buChar char="●"/>
             </a:pPr>
             <a:r>
-              <a:rPr lang="en"/>
+              <a:rPr lang="en" dirty="0"/>
               <a:t>To work with geographical data</a:t>
             </a:r>
-            <a:endParaRPr/>
+            <a:endParaRPr dirty="0"/>
           </a:p>
           <a:p>
             <a:pPr marL="457200" lvl="0" indent="-342900" algn="l" rtl="0">
@@ -16552,10 +15689,10 @@
               <a:buChar char="●"/>
             </a:pPr>
             <a:r>
-              <a:rPr lang="en"/>
+              <a:rPr lang="en" dirty="0"/>
               <a:t>Can plot data on maps</a:t>
             </a:r>
-            <a:endParaRPr/>
+            <a:endParaRPr dirty="0"/>
           </a:p>
           <a:p>
             <a:pPr marL="457200" lvl="0" indent="-342900" algn="l" rtl="0">
@@ -16572,30 +15709,10 @@
               <a:buChar char="●"/>
             </a:pPr>
             <a:r>
-              <a:rPr lang="en"/>
+              <a:rPr lang="en" dirty="0"/>
               <a:t>Ideal for data analysis which involves nationalities etc.</a:t>
             </a:r>
-            <a:endParaRPr/>
-          </a:p>
-          <a:p>
-            <a:pPr marL="457200" lvl="0" indent="-342900" algn="l" rtl="0">
-              <a:lnSpc>
-                <a:spcPct val="200000"/>
-              </a:lnSpc>
-              <a:spcBef>
-                <a:spcPts val="0"/>
-              </a:spcBef>
-              <a:spcAft>
-                <a:spcPts val="0"/>
-              </a:spcAft>
-              <a:buSzPts val="1800"/>
-              <a:buChar char="●"/>
-            </a:pPr>
-            <a:r>
-              <a:rPr lang="en"/>
-              <a:t>Our example we will look into international students in rwth based on their nationalities</a:t>
-            </a:r>
-            <a:endParaRPr/>
+            <a:endParaRPr dirty="0"/>
           </a:p>
         </p:txBody>
       </p:sp>
@@ -16795,33 +15912,361 @@
                       </p:childTnLst>
                     </p:cTn>
                   </p:par>
+                </p:childTnLst>
+              </p:cTn>
+              <p:prevCondLst>
+                <p:cond evt="onPrev" delay="0">
+                  <p:tgtEl>
+                    <p:sldTgt/>
+                  </p:tgtEl>
+                </p:cond>
+              </p:prevCondLst>
+              <p:nextCondLst>
+                <p:cond evt="onNext" delay="0">
+                  <p:tgtEl>
+                    <p:sldTgt/>
+                  </p:tgtEl>
+                </p:cond>
+              </p:nextCondLst>
+            </p:seq>
+          </p:childTnLst>
+        </p:cTn>
+      </p:par>
+    </p:tnLst>
+  </p:timing>
+</p:sld>
+</file>
+
+<file path=ppt/slides/slide9.xml><?xml version="1.0" encoding="utf-8"?>
+<p:sld xmlns:a="http://schemas.openxmlformats.org/drawingml/2006/main" xmlns:r="http://schemas.openxmlformats.org/officeDocument/2006/relationships" xmlns:p="http://schemas.openxmlformats.org/presentationml/2006/main">
+  <p:cSld>
+    <p:spTree>
+      <p:nvGrpSpPr>
+        <p:cNvPr id="1" name="Shape 171"/>
+        <p:cNvGrpSpPr/>
+        <p:nvPr/>
+      </p:nvGrpSpPr>
+      <p:grpSpPr>
+        <a:xfrm>
+          <a:off x="0" y="0"/>
+          <a:ext cx="0" cy="0"/>
+          <a:chOff x="0" y="0"/>
+          <a:chExt cx="0" cy="0"/>
+        </a:xfrm>
+      </p:grpSpPr>
+      <p:sp>
+        <p:nvSpPr>
+          <p:cNvPr id="172" name="Google Shape;172;p35"/>
+          <p:cNvSpPr txBox="1">
+            <a:spLocks noGrp="1"/>
+          </p:cNvSpPr>
+          <p:nvPr>
+            <p:ph type="title"/>
+          </p:nvPr>
+        </p:nvSpPr>
+        <p:spPr>
+          <a:xfrm>
+            <a:off x="311700" y="445025"/>
+            <a:ext cx="8520600" cy="572700"/>
+          </a:xfrm>
+          <a:prstGeom prst="rect">
+            <a:avLst/>
+          </a:prstGeom>
+        </p:spPr>
+        <p:txBody>
+          <a:bodyPr spcFirstLastPara="1" wrap="square" lIns="91425" tIns="91425" rIns="91425" bIns="91425" anchor="t" anchorCtr="0">
+            <a:noAutofit/>
+          </a:bodyPr>
+          <a:lstStyle/>
+          <a:p>
+            <a:pPr marL="0" lvl="0" indent="0" algn="l" rtl="0">
+              <a:spcBef>
+                <a:spcPts val="0"/>
+              </a:spcBef>
+              <a:spcAft>
+                <a:spcPts val="0"/>
+              </a:spcAft>
+              <a:buNone/>
+            </a:pPr>
+            <a:r>
+              <a:rPr lang="en-GB" dirty="0"/>
+              <a:t>Setup</a:t>
+            </a:r>
+            <a:endParaRPr dirty="0"/>
+          </a:p>
+        </p:txBody>
+      </p:sp>
+      <p:sp>
+        <p:nvSpPr>
+          <p:cNvPr id="173" name="Google Shape;173;p35"/>
+          <p:cNvSpPr txBox="1">
+            <a:spLocks noGrp="1"/>
+          </p:cNvSpPr>
+          <p:nvPr>
+            <p:ph type="body" idx="1"/>
+          </p:nvPr>
+        </p:nvSpPr>
+        <p:spPr>
+          <a:xfrm>
+            <a:off x="311700" y="1152475"/>
+            <a:ext cx="8520600" cy="3416400"/>
+          </a:xfrm>
+          <a:prstGeom prst="rect">
+            <a:avLst/>
+          </a:prstGeom>
+        </p:spPr>
+        <p:txBody>
+          <a:bodyPr spcFirstLastPara="1" wrap="square" lIns="91425" tIns="91425" rIns="91425" bIns="91425" anchor="t" anchorCtr="0">
+            <a:noAutofit/>
+          </a:bodyPr>
+          <a:lstStyle/>
+          <a:p>
+            <a:pPr marL="0" lvl="0" indent="0" algn="l" rtl="0">
+              <a:spcBef>
+                <a:spcPts val="0"/>
+              </a:spcBef>
+              <a:spcAft>
+                <a:spcPts val="0"/>
+              </a:spcAft>
+              <a:buNone/>
+            </a:pPr>
+            <a:r>
+              <a:rPr lang="en" dirty="0"/>
+              <a:t>To install the required packages we can use this tool:</a:t>
+            </a:r>
+            <a:endParaRPr dirty="0"/>
+          </a:p>
+          <a:p>
+            <a:pPr marL="0" lvl="0" indent="0" algn="l" rtl="0">
+              <a:spcBef>
+                <a:spcPts val="1600"/>
+              </a:spcBef>
+              <a:spcAft>
+                <a:spcPts val="0"/>
+              </a:spcAft>
+              <a:buNone/>
+            </a:pPr>
+            <a:endParaRPr dirty="0"/>
+          </a:p>
+          <a:p>
+            <a:pPr marL="0" lvl="0" indent="0" algn="ctr" rtl="0">
+              <a:lnSpc>
+                <a:spcPct val="100000"/>
+              </a:lnSpc>
+              <a:spcBef>
+                <a:spcPts val="1600"/>
+              </a:spcBef>
+              <a:spcAft>
+                <a:spcPts val="0"/>
+              </a:spcAft>
+              <a:buNone/>
+            </a:pPr>
+            <a:r>
+              <a:rPr lang="en" sz="3000" dirty="0">
+                <a:solidFill>
+                  <a:srgbClr val="6AA84F"/>
+                </a:solidFill>
+              </a:rPr>
+              <a:t>Anaconda Navigator</a:t>
+            </a:r>
+            <a:endParaRPr sz="3000" dirty="0">
+              <a:solidFill>
+                <a:srgbClr val="6AA84F"/>
+              </a:solidFill>
+            </a:endParaRPr>
+          </a:p>
+          <a:p>
+            <a:pPr marL="0" lvl="0" indent="0" algn="ctr" rtl="0">
+              <a:lnSpc>
+                <a:spcPct val="100000"/>
+              </a:lnSpc>
+              <a:spcBef>
+                <a:spcPts val="1600"/>
+              </a:spcBef>
+              <a:spcAft>
+                <a:spcPts val="1600"/>
+              </a:spcAft>
+              <a:buNone/>
+            </a:pPr>
+            <a:r>
+              <a:rPr lang="en" sz="1400" u="sng" dirty="0">
+                <a:solidFill>
+                  <a:schemeClr val="hlink"/>
+                </a:solidFill>
+                <a:hlinkClick r:id="rId3"/>
+              </a:rPr>
+              <a:t>link</a:t>
+            </a:r>
+            <a:endParaRPr sz="1400" dirty="0">
+              <a:solidFill>
+                <a:srgbClr val="666666"/>
+              </a:solidFill>
+            </a:endParaRPr>
+          </a:p>
+        </p:txBody>
+      </p:sp>
+    </p:spTree>
+  </p:cSld>
+  <p:clrMapOvr>
+    <a:masterClrMapping/>
+  </p:clrMapOvr>
+  <p:timing>
+    <p:tnLst>
+      <p:par>
+        <p:cTn id="1" dur="indefinite" restart="never" nodeType="tmRoot">
+          <p:childTnLst>
+            <p:seq concurrent="1" nextAc="seek">
+              <p:cTn id="2" dur="indefinite" nodeType="mainSeq">
+                <p:childTnLst>
                   <p:par>
-                    <p:cTn id="18" fill="hold">
+                    <p:cTn id="3" fill="hold">
                       <p:stCondLst>
                         <p:cond delay="indefinite"/>
                       </p:stCondLst>
                       <p:childTnLst>
                         <p:par>
-                          <p:cTn id="19" fill="hold">
+                          <p:cTn id="4" fill="hold">
                             <p:stCondLst>
                               <p:cond delay="0"/>
                             </p:stCondLst>
                             <p:childTnLst>
                               <p:par>
-                                <p:cTn id="20" presetID="10" presetClass="entr" presetSubtype="0" fill="hold" nodeType="clickEffect">
+                                <p:cTn id="5" presetID="10" presetClass="entr" presetSubtype="0" fill="hold" nodeType="clickEffect">
                                   <p:stCondLst>
                                     <p:cond delay="0"/>
                                   </p:stCondLst>
                                   <p:childTnLst>
                                     <p:set>
                                       <p:cBhvr>
-                                        <p:cTn id="21" dur="1" fill="hold">
+                                        <p:cTn id="6" dur="1" fill="hold">
                                           <p:stCondLst>
                                             <p:cond delay="0"/>
                                           </p:stCondLst>
                                         </p:cTn>
                                         <p:tgtEl>
-                                          <p:spTgt spid="167">
+                                          <p:spTgt spid="173">
+                                            <p:txEl>
+                                              <p:pRg st="0" end="0"/>
+                                            </p:txEl>
+                                          </p:spTgt>
+                                        </p:tgtEl>
+                                        <p:attrNameLst>
+                                          <p:attrName>style.visibility</p:attrName>
+                                        </p:attrNameLst>
+                                      </p:cBhvr>
+                                      <p:to>
+                                        <p:strVal val="visible"/>
+                                      </p:to>
+                                    </p:set>
+                                    <p:animEffect transition="in" filter="fade">
+                                      <p:cBhvr>
+                                        <p:cTn id="7" dur="1000"/>
+                                        <p:tgtEl>
+                                          <p:spTgt spid="173">
+                                            <p:txEl>
+                                              <p:pRg st="0" end="0"/>
+                                            </p:txEl>
+                                          </p:spTgt>
+                                        </p:tgtEl>
+                                      </p:cBhvr>
+                                    </p:animEffect>
+                                  </p:childTnLst>
+                                </p:cTn>
+                              </p:par>
+                            </p:childTnLst>
+                          </p:cTn>
+                        </p:par>
+                      </p:childTnLst>
+                    </p:cTn>
+                  </p:par>
+                  <p:par>
+                    <p:cTn id="8" fill="hold">
+                      <p:stCondLst>
+                        <p:cond delay="indefinite"/>
+                      </p:stCondLst>
+                      <p:childTnLst>
+                        <p:par>
+                          <p:cTn id="9" fill="hold">
+                            <p:stCondLst>
+                              <p:cond delay="0"/>
+                            </p:stCondLst>
+                            <p:childTnLst>
+                              <p:par>
+                                <p:cTn id="10" presetID="10" presetClass="entr" presetSubtype="0" fill="hold" nodeType="clickEffect">
+                                  <p:stCondLst>
+                                    <p:cond delay="0"/>
+                                  </p:stCondLst>
+                                  <p:childTnLst>
+                                    <p:set>
+                                      <p:cBhvr>
+                                        <p:cTn id="11" dur="1" fill="hold">
+                                          <p:stCondLst>
+                                            <p:cond delay="0"/>
+                                          </p:stCondLst>
+                                        </p:cTn>
+                                        <p:tgtEl>
+                                          <p:spTgt spid="173">
+                                            <p:txEl>
+                                              <p:pRg st="2" end="2"/>
+                                            </p:txEl>
+                                          </p:spTgt>
+                                        </p:tgtEl>
+                                        <p:attrNameLst>
+                                          <p:attrName>style.visibility</p:attrName>
+                                        </p:attrNameLst>
+                                      </p:cBhvr>
+                                      <p:to>
+                                        <p:strVal val="visible"/>
+                                      </p:to>
+                                    </p:set>
+                                    <p:animEffect transition="in" filter="fade">
+                                      <p:cBhvr>
+                                        <p:cTn id="12" dur="1000"/>
+                                        <p:tgtEl>
+                                          <p:spTgt spid="173">
+                                            <p:txEl>
+                                              <p:pRg st="2" end="2"/>
+                                            </p:txEl>
+                                          </p:spTgt>
+                                        </p:tgtEl>
+                                      </p:cBhvr>
+                                    </p:animEffect>
+                                  </p:childTnLst>
+                                </p:cTn>
+                              </p:par>
+                            </p:childTnLst>
+                          </p:cTn>
+                        </p:par>
+                      </p:childTnLst>
+                    </p:cTn>
+                  </p:par>
+                  <p:par>
+                    <p:cTn id="13" fill="hold">
+                      <p:stCondLst>
+                        <p:cond delay="indefinite"/>
+                      </p:stCondLst>
+                      <p:childTnLst>
+                        <p:par>
+                          <p:cTn id="14" fill="hold">
+                            <p:stCondLst>
+                              <p:cond delay="0"/>
+                            </p:stCondLst>
+                            <p:childTnLst>
+                              <p:par>
+                                <p:cTn id="15" presetID="10" presetClass="entr" presetSubtype="0" fill="hold" nodeType="clickEffect">
+                                  <p:stCondLst>
+                                    <p:cond delay="0"/>
+                                  </p:stCondLst>
+                                  <p:childTnLst>
+                                    <p:set>
+                                      <p:cBhvr>
+                                        <p:cTn id="16" dur="1" fill="hold">
+                                          <p:stCondLst>
+                                            <p:cond delay="0"/>
+                                          </p:stCondLst>
+                                        </p:cTn>
+                                        <p:tgtEl>
+                                          <p:spTgt spid="173">
                                             <p:txEl>
                                               <p:pRg st="3" end="3"/>
                                             </p:txEl>
@@ -16837,9 +16282,9 @@
                                     </p:set>
                                     <p:animEffect transition="in" filter="fade">
                                       <p:cBhvr>
-                                        <p:cTn id="22" dur="1000"/>
+                                        <p:cTn id="17" dur="1000"/>
                                         <p:tgtEl>
-                                          <p:spTgt spid="167">
+                                          <p:spTgt spid="173">
                                             <p:txEl>
                                               <p:pRg st="3" end="3"/>
                                             </p:txEl>
